--- a/resources/reactive_python_slides.pptx
+++ b/resources/reactive_python_slides.pptx
@@ -5,7 +5,7 @@
     <p:sldMasterId id="2147483648" r:id="rId1"/>
   </p:sldMasterIdLst>
   <p:notesMasterIdLst>
-    <p:notesMasterId r:id="rId39"/>
+    <p:notesMasterId r:id="rId40"/>
   </p:notesMasterIdLst>
   <p:sldIdLst>
     <p:sldId id="256" r:id="rId2"/>
@@ -45,6 +45,7 @@
     <p:sldId id="293" r:id="rId36"/>
     <p:sldId id="294" r:id="rId37"/>
     <p:sldId id="295" r:id="rId38"/>
+    <p:sldId id="296" r:id="rId39"/>
   </p:sldIdLst>
   <p:sldSz cx="12192000" cy="6858000"/>
   <p:notesSz cx="6858000" cy="9144000"/>
@@ -145,7 +146,7 @@
   </p:defaultTextStyle>
   <p:extLst>
     <p:ext uri="{EFAFB233-063F-42B5-8137-9DF3F51BA10A}">
-      <p15:sldGuideLst xmlns:p15="http://schemas.microsoft.com/office/powerpoint/2012/main">
+      <p15:sldGuideLst xmlns:p15="http://schemas.microsoft.com/office/powerpoint/2012/main" xmlns="">
         <p15:guide id="1" orient="horz" pos="2160">
           <p15:clr>
             <a:srgbClr val="A4A3A4"/>
@@ -248,7 +249,7 @@
           <a:p>
             <a:fld id="{D68E09DD-A271-4E46-9B09-7316EE422583}" type="datetimeFigureOut">
               <a:rPr lang="en-US"/>
-              <a:t>10/31/2017</a:t>
+              <a:t>2/13/2018</a:t>
             </a:fld>
             <a:endParaRPr lang="en-US"/>
           </a:p>
@@ -909,7 +910,7 @@
           <a:p>
             <a:fld id="{4BDF68E2-58F2-4D09-BE8B-E3BD06533059}" type="datetimeFigureOut">
               <a:rPr lang="en-US" dirty="0"/>
-              <a:t>10/31/2017</a:t>
+              <a:t>2/13/2018</a:t>
             </a:fld>
             <a:endParaRPr lang="en-US" dirty="0"/>
           </a:p>
@@ -1112,7 +1113,7 @@
           <a:p>
             <a:fld id="{2E2D6473-DF6D-4702-B328-E0DD40540A4E}" type="datetimeFigureOut">
               <a:rPr lang="en-US" dirty="0"/>
-              <a:t>10/31/2017</a:t>
+              <a:t>2/13/2018</a:t>
             </a:fld>
             <a:endParaRPr lang="en-US" dirty="0"/>
           </a:p>
@@ -1363,7 +1364,7 @@
           <a:p>
             <a:fld id="{E26F7E3A-B166-407D-9866-32884E7D5B37}" type="datetimeFigureOut">
               <a:rPr lang="en-US" dirty="0"/>
-              <a:t>10/31/2017</a:t>
+              <a:t>2/13/2018</a:t>
             </a:fld>
             <a:endParaRPr lang="en-US" dirty="0"/>
           </a:p>
@@ -1532,7 +1533,7 @@
           <a:p>
             <a:fld id="{528FC5F6-F338-4AE4-BB23-26385BCFC423}" type="datetimeFigureOut">
               <a:rPr lang="en-US" dirty="0"/>
-              <a:t>10/31/2017</a:t>
+              <a:t>2/13/2018</a:t>
             </a:fld>
             <a:endParaRPr lang="en-US" dirty="0"/>
           </a:p>
@@ -1870,7 +1871,7 @@
           <a:p>
             <a:fld id="{20EBB0C4-6273-4C6E-B9BD-2EDC30F1CD52}" type="datetimeFigureOut">
               <a:rPr lang="en-US" dirty="0"/>
-              <a:t>10/31/2017</a:t>
+              <a:t>2/13/2018</a:t>
             </a:fld>
             <a:endParaRPr lang="en-US" dirty="0"/>
           </a:p>
@@ -2140,7 +2141,7 @@
           <a:p>
             <a:fld id="{19AB4D41-86C1-4908-B66A-0B50CEB3BF29}" type="datetimeFigureOut">
               <a:rPr lang="en-US" dirty="0"/>
-              <a:t>10/31/2017</a:t>
+              <a:t>2/13/2018</a:t>
             </a:fld>
             <a:endParaRPr lang="en-US" dirty="0"/>
           </a:p>
@@ -2514,7 +2515,7 @@
           <a:p>
             <a:fld id="{E6426E2C-56C1-4E0D-A793-0088A7FDD37E}" type="datetimeFigureOut">
               <a:rPr lang="en-US" dirty="0"/>
-              <a:t>10/31/2017</a:t>
+              <a:t>2/13/2018</a:t>
             </a:fld>
             <a:endParaRPr lang="en-US" dirty="0"/>
           </a:p>
@@ -2627,7 +2628,7 @@
           <a:p>
             <a:fld id="{C8C39B41-D8B5-4052-B551-9B5525EAA8B6}" type="datetimeFigureOut">
               <a:rPr lang="en-US" dirty="0"/>
-              <a:t>10/31/2017</a:t>
+              <a:t>2/13/2018</a:t>
             </a:fld>
             <a:endParaRPr lang="en-US" dirty="0"/>
           </a:p>
@@ -2793,7 +2794,7 @@
           <a:p>
             <a:fld id="{4D94136C-8742-45B2-AF27-D93DF72833A9}" type="datetimeFigureOut">
               <a:rPr lang="en-US" dirty="0"/>
-              <a:t>10/31/2017</a:t>
+              <a:t>2/13/2018</a:t>
             </a:fld>
             <a:endParaRPr lang="en-US" dirty="0"/>
           </a:p>
@@ -3143,7 +3144,7 @@
           <a:p>
             <a:fld id="{32ABBEA6-7C60-4B02-AE87-00D78D8422AF}" type="datetimeFigureOut">
               <a:rPr lang="en-US" dirty="0"/>
-              <a:t>10/31/2017</a:t>
+              <a:t>2/13/2018</a:t>
             </a:fld>
             <a:endParaRPr lang="en-US" dirty="0"/>
           </a:p>
@@ -3518,7 +3519,7 @@
           <a:p>
             <a:fld id="{C9CAD897-D46E-4AD2-BD9B-49DD3E640873}" type="datetimeFigureOut">
               <a:rPr lang="en-US" dirty="0"/>
-              <a:t>10/31/2017</a:t>
+              <a:t>2/13/2018</a:t>
             </a:fld>
             <a:endParaRPr lang="en-US" dirty="0"/>
           </a:p>
@@ -3800,7 +3801,7 @@
           <a:p>
             <a:fld id="{98624D31-43A5-475A-80CF-332C9F6DCF35}" type="datetimeFigureOut">
               <a:rPr lang="en-US" dirty="0"/>
-              <a:t>10/31/2017</a:t>
+              <a:t>2/13/2018</a:t>
             </a:fld>
             <a:endParaRPr lang="en-US" dirty="0"/>
           </a:p>
@@ -12312,7 +12313,7 @@
         <p:spPr/>
         <p:txBody>
           <a:bodyPr vert="horz" lIns="0" tIns="45720" rIns="0" bIns="45720" rtlCol="0" anchor="t">
-            <a:normAutofit lnSpcReduction="10000"/>
+            <a:normAutofit fontScale="92500" lnSpcReduction="20000"/>
           </a:bodyPr>
           <a:lstStyle/>
           <a:p>
@@ -12375,7 +12376,15 @@
             </a:pPr>
             <a:r>
               <a:rPr lang="en-US" dirty="0"/>
-              <a:t> Teach a few online trainings at O'Reilly</a:t>
+              <a:t> Teach a few online </a:t>
+            </a:r>
+            <a:r>
+              <a:rPr lang="en-US" dirty="0" smtClean="0"/>
+              <a:t>trainings/videos </a:t>
+            </a:r>
+            <a:r>
+              <a:rPr lang="en-US" dirty="0"/>
+              <a:t>at O'Reilly</a:t>
             </a:r>
           </a:p>
           <a:p>
@@ -12409,8 +12418,28 @@
             </a:pPr>
             <a:r>
               <a:rPr lang="en-US" i="1" dirty="0"/>
-              <a:t>Reactive Python for Data Science</a:t>
-            </a:r>
+              <a:t>Reactive Python for Data </a:t>
+            </a:r>
+            <a:r>
+              <a:rPr lang="en-US" i="1" dirty="0" smtClean="0"/>
+              <a:t>Science</a:t>
+            </a:r>
+          </a:p>
+          <a:p>
+            <a:pPr marL="383540" lvl="1">
+              <a:lnSpc>
+                <a:spcPct val="170000"/>
+              </a:lnSpc>
+            </a:pPr>
+            <a:r>
+              <a:rPr lang="en-US" i="1" dirty="0" smtClean="0"/>
+              <a:t>From Data Science to Production with </a:t>
+            </a:r>
+            <a:r>
+              <a:rPr lang="en-US" i="1" dirty="0" err="1" smtClean="0"/>
+              <a:t>Kotlin</a:t>
+            </a:r>
+            <a:endParaRPr lang="en-US" i="1" dirty="0"/>
           </a:p>
           <a:p>
             <a:pPr>
@@ -12427,7 +12456,7 @@
           <p:cNvPr id="4" name="TextBox 3">
             <a:extLst>
               <a:ext uri="{FF2B5EF4-FFF2-40B4-BE49-F238E27FC236}">
-                <a16:creationId xmlns:a16="http://schemas.microsoft.com/office/drawing/2014/main" id="{E41AFB01-20E3-4C03-AACC-26C0D35C2433}"/>
+                <a16:creationId xmlns:a16="http://schemas.microsoft.com/office/drawing/2014/main" xmlns="" id="{E41AFB01-20E3-4C03-AACC-26C0D35C2433}"/>
               </a:ext>
             </a:extLst>
           </p:cNvPr>
@@ -12462,7 +12491,7 @@
           <p:cNvPr id="5" name="Picture 4">
             <a:extLst>
               <a:ext uri="{FF2B5EF4-FFF2-40B4-BE49-F238E27FC236}">
-                <a16:creationId xmlns:a16="http://schemas.microsoft.com/office/drawing/2014/main" id="{6E2A5F34-334D-4E4A-9BC7-EEB419CA1B92}"/>
+                <a16:creationId xmlns:a16="http://schemas.microsoft.com/office/drawing/2014/main" xmlns="" id="{6E2A5F34-334D-4E4A-9BC7-EEB419CA1B92}"/>
               </a:ext>
             </a:extLst>
           </p:cNvPr>
@@ -12498,7 +12527,7 @@
           <p:cNvPr id="6" name="Rectangle 5">
             <a:extLst>
               <a:ext uri="{FF2B5EF4-FFF2-40B4-BE49-F238E27FC236}">
-                <a16:creationId xmlns:a16="http://schemas.microsoft.com/office/drawing/2014/main" id="{13E4846F-6BEA-4A66-815D-232B560B11AD}"/>
+                <a16:creationId xmlns:a16="http://schemas.microsoft.com/office/drawing/2014/main" xmlns="" id="{13E4846F-6BEA-4A66-815D-232B560B11AD}"/>
               </a:ext>
             </a:extLst>
           </p:cNvPr>
@@ -12532,7 +12561,7 @@
           <p:cNvPr id="7" name="Picture 6">
             <a:extLst>
               <a:ext uri="{FF2B5EF4-FFF2-40B4-BE49-F238E27FC236}">
-                <a16:creationId xmlns:a16="http://schemas.microsoft.com/office/drawing/2014/main" id="{F0BD378F-67B6-4999-9D95-9E3975DE3ECD}"/>
+                <a16:creationId xmlns:a16="http://schemas.microsoft.com/office/drawing/2014/main" xmlns="" id="{F0BD378F-67B6-4999-9D95-9E3975DE3ECD}"/>
               </a:ext>
             </a:extLst>
           </p:cNvPr>
@@ -14785,7 +14814,7 @@
           <p:cNvPr id="2" name="Title 1">
             <a:extLst>
               <a:ext uri="{FF2B5EF4-FFF2-40B4-BE49-F238E27FC236}">
-                <a16:creationId xmlns:a16="http://schemas.microsoft.com/office/drawing/2014/main" id="{93850857-73AB-4BA6-909E-64D65B9AE4F0}"/>
+                <a16:creationId xmlns:a16="http://schemas.microsoft.com/office/drawing/2014/main" xmlns="" id="{93850857-73AB-4BA6-909E-64D65B9AE4F0}"/>
               </a:ext>
             </a:extLst>
           </p:cNvPr>
@@ -14821,7 +14850,7 @@
           <p:cNvPr id="3" name="Content Placeholder 2">
             <a:extLst>
               <a:ext uri="{FF2B5EF4-FFF2-40B4-BE49-F238E27FC236}">
-                <a16:creationId xmlns:a16="http://schemas.microsoft.com/office/drawing/2014/main" id="{129FFD58-73E7-4B87-8615-D8B23B37A7C2}"/>
+                <a16:creationId xmlns:a16="http://schemas.microsoft.com/office/drawing/2014/main" xmlns="" id="{129FFD58-73E7-4B87-8615-D8B23B37A7C2}"/>
               </a:ext>
             </a:extLst>
           </p:cNvPr>
@@ -14886,6 +14915,187 @@
     <p:extLst>
       <p:ext uri="{BB962C8B-B14F-4D97-AF65-F5344CB8AC3E}">
         <p14:creationId xmlns:p14="http://schemas.microsoft.com/office/powerpoint/2010/main" val="386809875"/>
+      </p:ext>
+    </p:extLst>
+  </p:cSld>
+  <p:clrMapOvr>
+    <a:masterClrMapping/>
+  </p:clrMapOvr>
+</p:sld>
+</file>
+
+<file path=ppt/slides/slide38.xml><?xml version="1.0" encoding="utf-8"?>
+<p:sld xmlns:a="http://schemas.openxmlformats.org/drawingml/2006/main" xmlns:r="http://schemas.openxmlformats.org/officeDocument/2006/relationships" xmlns:p="http://schemas.openxmlformats.org/presentationml/2006/main">
+  <p:cSld>
+    <p:spTree>
+      <p:nvGrpSpPr>
+        <p:cNvPr id="1" name=""/>
+        <p:cNvGrpSpPr/>
+        <p:nvPr/>
+      </p:nvGrpSpPr>
+      <p:grpSpPr>
+        <a:xfrm>
+          <a:off x="0" y="0"/>
+          <a:ext cx="0" cy="0"/>
+          <a:chOff x="0" y="0"/>
+          <a:chExt cx="0" cy="0"/>
+        </a:xfrm>
+      </p:grpSpPr>
+      <p:sp>
+        <p:nvSpPr>
+          <p:cNvPr id="2" name="Title 1"/>
+          <p:cNvSpPr>
+            <a:spLocks noGrp="1"/>
+          </p:cNvSpPr>
+          <p:nvPr>
+            <p:ph type="title"/>
+          </p:nvPr>
+        </p:nvSpPr>
+        <p:spPr/>
+        <p:txBody>
+          <a:bodyPr/>
+          <a:lstStyle/>
+          <a:p>
+            <a:r>
+              <a:rPr lang="en-US" dirty="0" smtClean="0"/>
+              <a:t>Check Out Also…</a:t>
+            </a:r>
+            <a:endParaRPr lang="en-US" dirty="0"/>
+          </a:p>
+        </p:txBody>
+      </p:sp>
+      <p:pic>
+        <p:nvPicPr>
+          <p:cNvPr id="1026" name="Picture 2" descr="https://www.safaribooksonline.com/library/cover/9781491998205/360h/" title="From Data Science to Production with Kotlin"/>
+          <p:cNvPicPr>
+            <a:picLocks noChangeAspect="1" noChangeArrowheads="1"/>
+          </p:cNvPicPr>
+          <p:nvPr/>
+        </p:nvPicPr>
+        <p:blipFill>
+          <a:blip r:embed="rId2">
+            <a:extLst>
+              <a:ext uri="{28A0092B-C50C-407E-A947-70E740481C1C}">
+                <a14:useLocalDpi xmlns:a14="http://schemas.microsoft.com/office/drawing/2010/main" val="0"/>
+              </a:ext>
+            </a:extLst>
+          </a:blip>
+          <a:srcRect/>
+          <a:stretch>
+            <a:fillRect/>
+          </a:stretch>
+        </p:blipFill>
+        <p:spPr bwMode="auto">
+          <a:xfrm>
+            <a:off x="1239656" y="2064471"/>
+            <a:ext cx="3621841" cy="2037286"/>
+          </a:xfrm>
+          <a:prstGeom prst="rect">
+            <a:avLst/>
+          </a:prstGeom>
+          <a:noFill/>
+          <a:extLst>
+            <a:ext uri="{909E8E84-426E-40DD-AFC4-6F175D3DCCD1}">
+              <a14:hiddenFill xmlns:a14="http://schemas.microsoft.com/office/drawing/2010/main">
+                <a:solidFill>
+                  <a:srgbClr val="FFFFFF"/>
+                </a:solidFill>
+              </a14:hiddenFill>
+            </a:ext>
+          </a:extLst>
+        </p:spPr>
+      </p:pic>
+      <p:sp>
+        <p:nvSpPr>
+          <p:cNvPr id="4" name="TextBox 3"/>
+          <p:cNvSpPr txBox="1"/>
+          <p:nvPr/>
+        </p:nvSpPr>
+        <p:spPr>
+          <a:xfrm>
+            <a:off x="1239656" y="4101757"/>
+            <a:ext cx="3621841" cy="584775"/>
+          </a:xfrm>
+          <a:prstGeom prst="rect">
+            <a:avLst/>
+          </a:prstGeom>
+          <a:noFill/>
+        </p:spPr>
+        <p:txBody>
+          <a:bodyPr wrap="square" rtlCol="0">
+            <a:spAutoFit/>
+          </a:bodyPr>
+          <a:lstStyle/>
+          <a:p>
+            <a:r>
+              <a:rPr lang="en-US" sz="1600" i="1" dirty="0" smtClean="0">
+                <a:solidFill>
+                  <a:srgbClr val="FF0000"/>
+                </a:solidFill>
+              </a:rPr>
+              <a:t>From Data Science to Production with </a:t>
+            </a:r>
+            <a:r>
+              <a:rPr lang="en-US" sz="1600" i="1" dirty="0" err="1" smtClean="0">
+                <a:solidFill>
+                  <a:srgbClr val="FF0000"/>
+                </a:solidFill>
+              </a:rPr>
+              <a:t>Kotlin</a:t>
+            </a:r>
+            <a:endParaRPr lang="en-US" sz="1600" i="1" dirty="0">
+              <a:solidFill>
+                <a:srgbClr val="FF0000"/>
+              </a:solidFill>
+            </a:endParaRPr>
+          </a:p>
+        </p:txBody>
+      </p:sp>
+      <p:pic>
+        <p:nvPicPr>
+          <p:cNvPr id="1028" name="Picture 4" descr="https://images-na.ssl-images-amazon.com/images/I/419iBVFJ1hL.jpg"/>
+          <p:cNvPicPr>
+            <a:picLocks noChangeAspect="1" noChangeArrowheads="1"/>
+          </p:cNvPicPr>
+          <p:nvPr/>
+        </p:nvPicPr>
+        <p:blipFill>
+          <a:blip r:embed="rId3">
+            <a:extLst>
+              <a:ext uri="{28A0092B-C50C-407E-A947-70E740481C1C}">
+                <a14:useLocalDpi xmlns:a14="http://schemas.microsoft.com/office/drawing/2010/main" val="0"/>
+              </a:ext>
+            </a:extLst>
+          </a:blip>
+          <a:srcRect/>
+          <a:stretch>
+            <a:fillRect/>
+          </a:stretch>
+        </p:blipFill>
+        <p:spPr bwMode="auto">
+          <a:xfrm>
+            <a:off x="6518668" y="2075151"/>
+            <a:ext cx="2917563" cy="3601930"/>
+          </a:xfrm>
+          <a:prstGeom prst="rect">
+            <a:avLst/>
+          </a:prstGeom>
+          <a:noFill/>
+          <a:extLst>
+            <a:ext uri="{909E8E84-426E-40DD-AFC4-6F175D3DCCD1}">
+              <a14:hiddenFill xmlns:a14="http://schemas.microsoft.com/office/drawing/2010/main">
+                <a:solidFill>
+                  <a:srgbClr val="FFFFFF"/>
+                </a:solidFill>
+              </a14:hiddenFill>
+            </a:ext>
+          </a:extLst>
+        </p:spPr>
+      </p:pic>
+    </p:spTree>
+    <p:extLst>
+      <p:ext uri="{BB962C8B-B14F-4D97-AF65-F5344CB8AC3E}">
+        <p14:creationId xmlns:p14="http://schemas.microsoft.com/office/powerpoint/2010/main" val="785805271"/>
       </p:ext>
     </p:extLst>
   </p:cSld>
@@ -16764,7 +16974,7 @@
   <a:extraClrSchemeLst/>
   <a:extLst>
     <a:ext uri="{05A4C25C-085E-4340-85A3-A5531E510DB2}">
-      <thm15:themeFamily xmlns:thm15="http://schemas.microsoft.com/office/thememl/2012/main" name="Retrospect" id="{5F128B03-DCCA-4EEB-AB3B-CF2899314A46}" vid="{3F1AAB62-24C6-49D2-8E01-B56FAC9A3DCD}"/>
+      <thm15:themeFamily xmlns:thm15="http://schemas.microsoft.com/office/thememl/2012/main" xmlns="" name="Retrospect" id="{5F128B03-DCCA-4EEB-AB3B-CF2899314A46}" vid="{3F1AAB62-24C6-49D2-8E01-B56FAC9A3DCD}"/>
     </a:ext>
   </a:extLst>
 </a:theme>
@@ -17059,7 +17269,7 @@
   <a:extraClrSchemeLst/>
   <a:extLst>
     <a:ext uri="{05A4C25C-085E-4340-85A3-A5531E510DB2}">
-      <thm15:themeFamily xmlns:thm15="http://schemas.microsoft.com/office/thememl/2012/main" name="Office Theme" id="{62F939B6-93AF-4DB8-9C6B-D6C7DFDC589F}" vid="{4A3C46E8-61CC-4603-A589-7422A47A8E4A}"/>
+      <thm15:themeFamily xmlns:thm15="http://schemas.microsoft.com/office/thememl/2012/main" xmlns="" name="Office Theme" id="{62F939B6-93AF-4DB8-9C6B-D6C7DFDC589F}" vid="{4A3C46E8-61CC-4603-A589-7422A47A8E4A}"/>
     </a:ext>
   </a:extLst>
 </a:theme>
